--- a/Thesis/ThesisArbeit_V9/images/NEU_Virtuel_Arbeitsprozess.pptx
+++ b/Thesis/ThesisArbeit_V9/images/NEU_Virtuel_Arbeitsprozess.pptx
@@ -6,6 +6,7 @@
   </p:sldMasterIdLst>
   <p:sldIdLst>
     <p:sldId id="256" r:id="rId2"/>
+    <p:sldId id="257" r:id="rId3"/>
   </p:sldIdLst>
   <p:sldSz cx="12192000" cy="6858000"/>
   <p:notesSz cx="6858000" cy="9144000"/>
@@ -261,7 +262,7 @@
           <a:p>
             <a:fld id="{7309E8AB-E798-400F-8EDB-77D86A5AA00D}" type="datetimeFigureOut">
               <a:rPr lang="de-DE" smtClean="0"/>
-              <a:t>15.05.2018</a:t>
+              <a:t>16.05.2018</a:t>
             </a:fld>
             <a:endParaRPr lang="de-DE"/>
           </a:p>
@@ -461,7 +462,7 @@
           <a:p>
             <a:fld id="{7309E8AB-E798-400F-8EDB-77D86A5AA00D}" type="datetimeFigureOut">
               <a:rPr lang="de-DE" smtClean="0"/>
-              <a:t>15.05.2018</a:t>
+              <a:t>16.05.2018</a:t>
             </a:fld>
             <a:endParaRPr lang="de-DE"/>
           </a:p>
@@ -671,7 +672,7 @@
           <a:p>
             <a:fld id="{7309E8AB-E798-400F-8EDB-77D86A5AA00D}" type="datetimeFigureOut">
               <a:rPr lang="de-DE" smtClean="0"/>
-              <a:t>15.05.2018</a:t>
+              <a:t>16.05.2018</a:t>
             </a:fld>
             <a:endParaRPr lang="de-DE"/>
           </a:p>
@@ -871,7 +872,7 @@
           <a:p>
             <a:fld id="{7309E8AB-E798-400F-8EDB-77D86A5AA00D}" type="datetimeFigureOut">
               <a:rPr lang="de-DE" smtClean="0"/>
-              <a:t>15.05.2018</a:t>
+              <a:t>16.05.2018</a:t>
             </a:fld>
             <a:endParaRPr lang="de-DE"/>
           </a:p>
@@ -1147,7 +1148,7 @@
           <a:p>
             <a:fld id="{7309E8AB-E798-400F-8EDB-77D86A5AA00D}" type="datetimeFigureOut">
               <a:rPr lang="de-DE" smtClean="0"/>
-              <a:t>15.05.2018</a:t>
+              <a:t>16.05.2018</a:t>
             </a:fld>
             <a:endParaRPr lang="de-DE"/>
           </a:p>
@@ -1415,7 +1416,7 @@
           <a:p>
             <a:fld id="{7309E8AB-E798-400F-8EDB-77D86A5AA00D}" type="datetimeFigureOut">
               <a:rPr lang="de-DE" smtClean="0"/>
-              <a:t>15.05.2018</a:t>
+              <a:t>16.05.2018</a:t>
             </a:fld>
             <a:endParaRPr lang="de-DE"/>
           </a:p>
@@ -1830,7 +1831,7 @@
           <a:p>
             <a:fld id="{7309E8AB-E798-400F-8EDB-77D86A5AA00D}" type="datetimeFigureOut">
               <a:rPr lang="de-DE" smtClean="0"/>
-              <a:t>15.05.2018</a:t>
+              <a:t>16.05.2018</a:t>
             </a:fld>
             <a:endParaRPr lang="de-DE"/>
           </a:p>
@@ -1972,7 +1973,7 @@
           <a:p>
             <a:fld id="{7309E8AB-E798-400F-8EDB-77D86A5AA00D}" type="datetimeFigureOut">
               <a:rPr lang="de-DE" smtClean="0"/>
-              <a:t>15.05.2018</a:t>
+              <a:t>16.05.2018</a:t>
             </a:fld>
             <a:endParaRPr lang="de-DE"/>
           </a:p>
@@ -2085,7 +2086,7 @@
           <a:p>
             <a:fld id="{7309E8AB-E798-400F-8EDB-77D86A5AA00D}" type="datetimeFigureOut">
               <a:rPr lang="de-DE" smtClean="0"/>
-              <a:t>15.05.2018</a:t>
+              <a:t>16.05.2018</a:t>
             </a:fld>
             <a:endParaRPr lang="de-DE"/>
           </a:p>
@@ -2398,7 +2399,7 @@
           <a:p>
             <a:fld id="{7309E8AB-E798-400F-8EDB-77D86A5AA00D}" type="datetimeFigureOut">
               <a:rPr lang="de-DE" smtClean="0"/>
-              <a:t>15.05.2018</a:t>
+              <a:t>16.05.2018</a:t>
             </a:fld>
             <a:endParaRPr lang="de-DE"/>
           </a:p>
@@ -2687,7 +2688,7 @@
           <a:p>
             <a:fld id="{7309E8AB-E798-400F-8EDB-77D86A5AA00D}" type="datetimeFigureOut">
               <a:rPr lang="de-DE" smtClean="0"/>
-              <a:t>15.05.2018</a:t>
+              <a:t>16.05.2018</a:t>
             </a:fld>
             <a:endParaRPr lang="de-DE"/>
           </a:p>
@@ -2930,7 +2931,7 @@
           <a:p>
             <a:fld id="{7309E8AB-E798-400F-8EDB-77D86A5AA00D}" type="datetimeFigureOut">
               <a:rPr lang="de-DE" smtClean="0"/>
-              <a:t>15.05.2018</a:t>
+              <a:t>16.05.2018</a:t>
             </a:fld>
             <a:endParaRPr lang="de-DE"/>
           </a:p>
@@ -3417,7 +3418,7 @@
         <p:spPr>
           <a:xfrm>
             <a:off x="318782" y="386205"/>
-            <a:ext cx="2750190" cy="461665"/>
+            <a:ext cx="2750190" cy="830997"/>
           </a:xfrm>
           <a:prstGeom prst="rect">
             <a:avLst/>
@@ -3432,7 +3433,7 @@
           <a:p>
             <a:r>
               <a:rPr lang="de-DE" sz="2400" dirty="0"/>
-              <a:t>Vorraussetzungen</a:t>
+              <a:t>Simulation der Bildaufnahme</a:t>
             </a:r>
           </a:p>
         </p:txBody>
@@ -3451,7 +3452,7 @@
         </p:nvSpPr>
         <p:spPr>
           <a:xfrm>
-            <a:off x="3612859" y="377816"/>
+            <a:off x="3486339" y="377815"/>
             <a:ext cx="2750190" cy="461665"/>
           </a:xfrm>
           <a:prstGeom prst="rect">
@@ -4149,6 +4150,834 @@
     <p:extLst>
       <p:ext uri="{BB962C8B-B14F-4D97-AF65-F5344CB8AC3E}">
         <p14:creationId xmlns:p14="http://schemas.microsoft.com/office/powerpoint/2010/main" val="4218172125"/>
+      </p:ext>
+    </p:extLst>
+  </p:cSld>
+  <p:clrMapOvr>
+    <a:masterClrMapping/>
+  </p:clrMapOvr>
+</p:sld>
+</file>
+
+<file path=ppt/slides/slide2.xml><?xml version="1.0" encoding="utf-8"?>
+<p:sld xmlns:a="http://schemas.openxmlformats.org/drawingml/2006/main" xmlns:r="http://schemas.openxmlformats.org/officeDocument/2006/relationships" xmlns:p="http://schemas.openxmlformats.org/presentationml/2006/main">
+  <p:cSld>
+    <p:spTree>
+      <p:nvGrpSpPr>
+        <p:cNvPr id="1" name=""/>
+        <p:cNvGrpSpPr/>
+        <p:nvPr/>
+      </p:nvGrpSpPr>
+      <p:grpSpPr>
+        <a:xfrm>
+          <a:off x="0" y="0"/>
+          <a:ext cx="0" cy="0"/>
+          <a:chOff x="0" y="0"/>
+          <a:chExt cx="0" cy="0"/>
+        </a:xfrm>
+      </p:grpSpPr>
+      <p:sp>
+        <p:nvSpPr>
+          <p:cNvPr id="2" name="Rectangle: Rounded Corners 1">
+            <a:extLst>
+              <a:ext uri="{FF2B5EF4-FFF2-40B4-BE49-F238E27FC236}">
+                <a16:creationId xmlns:a16="http://schemas.microsoft.com/office/drawing/2014/main" id="{71883EC2-CC04-411C-8A32-6D1F1C3B64E6}"/>
+              </a:ext>
+            </a:extLst>
+          </p:cNvPr>
+          <p:cNvSpPr/>
+          <p:nvPr/>
+        </p:nvSpPr>
+        <p:spPr>
+          <a:xfrm>
+            <a:off x="318782" y="1812022"/>
+            <a:ext cx="2750190" cy="1375795"/>
+          </a:xfrm>
+          <a:prstGeom prst="roundRect">
+            <a:avLst/>
+          </a:prstGeom>
+          <a:solidFill>
+            <a:schemeClr val="accent5"/>
+          </a:solidFill>
+          <a:ln>
+            <a:noFill/>
+          </a:ln>
+        </p:spPr>
+        <p:style>
+          <a:lnRef idx="2">
+            <a:schemeClr val="accent1">
+              <a:shade val="50000"/>
+            </a:schemeClr>
+          </a:lnRef>
+          <a:fillRef idx="1">
+            <a:schemeClr val="accent1"/>
+          </a:fillRef>
+          <a:effectRef idx="0">
+            <a:schemeClr val="accent1"/>
+          </a:effectRef>
+          <a:fontRef idx="minor">
+            <a:schemeClr val="lt1"/>
+          </a:fontRef>
+        </p:style>
+        <p:txBody>
+          <a:bodyPr rtlCol="0" anchor="ctr"/>
+          <a:lstStyle/>
+          <a:p>
+            <a:pPr algn="ctr"/>
+            <a:r>
+              <a:rPr lang="de-DE" dirty="0"/>
+              <a:t>Intrinsische Kameraparameter</a:t>
+            </a:r>
+          </a:p>
+        </p:txBody>
+      </p:sp>
+      <p:sp>
+        <p:nvSpPr>
+          <p:cNvPr id="3" name="TextBox 2">
+            <a:extLst>
+              <a:ext uri="{FF2B5EF4-FFF2-40B4-BE49-F238E27FC236}">
+                <a16:creationId xmlns:a16="http://schemas.microsoft.com/office/drawing/2014/main" id="{2FA23B3D-31DE-41AA-975D-23A41AEFF85A}"/>
+              </a:ext>
+            </a:extLst>
+          </p:cNvPr>
+          <p:cNvSpPr txBox="1"/>
+          <p:nvPr/>
+        </p:nvSpPr>
+        <p:spPr>
+          <a:xfrm>
+            <a:off x="318782" y="386205"/>
+            <a:ext cx="2750190" cy="461665"/>
+          </a:xfrm>
+          <a:prstGeom prst="rect">
+            <a:avLst/>
+          </a:prstGeom>
+          <a:noFill/>
+        </p:spPr>
+        <p:txBody>
+          <a:bodyPr wrap="square" rtlCol="0">
+            <a:spAutoFit/>
+          </a:bodyPr>
+          <a:lstStyle/>
+          <a:p>
+            <a:r>
+              <a:rPr lang="de-DE" sz="2400" dirty="0"/>
+              <a:t>Bildaufnahme</a:t>
+            </a:r>
+          </a:p>
+        </p:txBody>
+      </p:sp>
+      <p:sp>
+        <p:nvSpPr>
+          <p:cNvPr id="4" name="TextBox 3">
+            <a:extLst>
+              <a:ext uri="{FF2B5EF4-FFF2-40B4-BE49-F238E27FC236}">
+                <a16:creationId xmlns:a16="http://schemas.microsoft.com/office/drawing/2014/main" id="{A9FF9E69-89E8-43E0-B576-9B232E4E9DE3}"/>
+              </a:ext>
+            </a:extLst>
+          </p:cNvPr>
+          <p:cNvSpPr txBox="1"/>
+          <p:nvPr/>
+        </p:nvSpPr>
+        <p:spPr>
+          <a:xfrm>
+            <a:off x="3486339" y="377815"/>
+            <a:ext cx="2750190" cy="461665"/>
+          </a:xfrm>
+          <a:prstGeom prst="rect">
+            <a:avLst/>
+          </a:prstGeom>
+          <a:noFill/>
+        </p:spPr>
+        <p:txBody>
+          <a:bodyPr wrap="square" rtlCol="0">
+            <a:spAutoFit/>
+          </a:bodyPr>
+          <a:lstStyle/>
+          <a:p>
+            <a:r>
+              <a:rPr lang="de-DE" sz="2400" dirty="0"/>
+              <a:t>Bildverarbeitung</a:t>
+            </a:r>
+          </a:p>
+        </p:txBody>
+      </p:sp>
+      <p:sp>
+        <p:nvSpPr>
+          <p:cNvPr id="5" name="Rectangle: Rounded Corners 4">
+            <a:extLst>
+              <a:ext uri="{FF2B5EF4-FFF2-40B4-BE49-F238E27FC236}">
+                <a16:creationId xmlns:a16="http://schemas.microsoft.com/office/drawing/2014/main" id="{E9813522-5ECA-48FF-8F96-56657916181A}"/>
+              </a:ext>
+            </a:extLst>
+          </p:cNvPr>
+          <p:cNvSpPr/>
+          <p:nvPr/>
+        </p:nvSpPr>
+        <p:spPr>
+          <a:xfrm>
+            <a:off x="3273104" y="1812022"/>
+            <a:ext cx="2750190" cy="1375795"/>
+          </a:xfrm>
+          <a:prstGeom prst="roundRect">
+            <a:avLst/>
+          </a:prstGeom>
+          <a:solidFill>
+            <a:schemeClr val="accent5"/>
+          </a:solidFill>
+          <a:ln>
+            <a:noFill/>
+          </a:ln>
+        </p:spPr>
+        <p:style>
+          <a:lnRef idx="2">
+            <a:schemeClr val="accent1">
+              <a:shade val="50000"/>
+            </a:schemeClr>
+          </a:lnRef>
+          <a:fillRef idx="1">
+            <a:schemeClr val="accent1"/>
+          </a:fillRef>
+          <a:effectRef idx="0">
+            <a:schemeClr val="accent1"/>
+          </a:effectRef>
+          <a:fontRef idx="minor">
+            <a:schemeClr val="lt1"/>
+          </a:fontRef>
+        </p:style>
+        <p:txBody>
+          <a:bodyPr rtlCol="0" anchor="ctr"/>
+          <a:lstStyle/>
+          <a:p>
+            <a:pPr algn="ctr"/>
+            <a:r>
+              <a:rPr lang="de-DE" dirty="0"/>
+              <a:t>Detektion korrespondierender BildPunkte</a:t>
+            </a:r>
+          </a:p>
+        </p:txBody>
+      </p:sp>
+      <p:sp>
+        <p:nvSpPr>
+          <p:cNvPr id="6" name="TextBox 5">
+            <a:extLst>
+              <a:ext uri="{FF2B5EF4-FFF2-40B4-BE49-F238E27FC236}">
+                <a16:creationId xmlns:a16="http://schemas.microsoft.com/office/drawing/2014/main" id="{538E87E4-E466-4290-BD8E-03E2A079FB5E}"/>
+              </a:ext>
+            </a:extLst>
+          </p:cNvPr>
+          <p:cNvSpPr txBox="1"/>
+          <p:nvPr/>
+        </p:nvSpPr>
+        <p:spPr>
+          <a:xfrm>
+            <a:off x="6392069" y="377816"/>
+            <a:ext cx="2750190" cy="461665"/>
+          </a:xfrm>
+          <a:prstGeom prst="rect">
+            <a:avLst/>
+          </a:prstGeom>
+          <a:noFill/>
+        </p:spPr>
+        <p:txBody>
+          <a:bodyPr wrap="square" rtlCol="0">
+            <a:spAutoFit/>
+          </a:bodyPr>
+          <a:lstStyle/>
+          <a:p>
+            <a:r>
+              <a:rPr lang="de-DE" sz="2400" dirty="0"/>
+              <a:t>Bildanalyse</a:t>
+            </a:r>
+          </a:p>
+        </p:txBody>
+      </p:sp>
+      <p:sp>
+        <p:nvSpPr>
+          <p:cNvPr id="7" name="Rectangle: Rounded Corners 6">
+            <a:extLst>
+              <a:ext uri="{FF2B5EF4-FFF2-40B4-BE49-F238E27FC236}">
+                <a16:creationId xmlns:a16="http://schemas.microsoft.com/office/drawing/2014/main" id="{3459782F-911D-45D4-9275-CB6F2C516DE6}"/>
+              </a:ext>
+            </a:extLst>
+          </p:cNvPr>
+          <p:cNvSpPr/>
+          <p:nvPr/>
+        </p:nvSpPr>
+        <p:spPr>
+          <a:xfrm>
+            <a:off x="6198066" y="1812021"/>
+            <a:ext cx="2750190" cy="1375795"/>
+          </a:xfrm>
+          <a:prstGeom prst="roundRect">
+            <a:avLst/>
+          </a:prstGeom>
+          <a:solidFill>
+            <a:schemeClr val="accent5"/>
+          </a:solidFill>
+          <a:ln>
+            <a:noFill/>
+          </a:ln>
+        </p:spPr>
+        <p:style>
+          <a:lnRef idx="2">
+            <a:schemeClr val="accent1">
+              <a:shade val="50000"/>
+            </a:schemeClr>
+          </a:lnRef>
+          <a:fillRef idx="1">
+            <a:schemeClr val="accent1"/>
+          </a:fillRef>
+          <a:effectRef idx="0">
+            <a:schemeClr val="accent1"/>
+          </a:effectRef>
+          <a:fontRef idx="minor">
+            <a:schemeClr val="lt1"/>
+          </a:fontRef>
+        </p:style>
+        <p:txBody>
+          <a:bodyPr rtlCol="0" anchor="ctr"/>
+          <a:lstStyle/>
+          <a:p>
+            <a:pPr algn="ctr"/>
+            <a:r>
+              <a:rPr lang="de-DE" dirty="0"/>
+              <a:t>Bestimmen extrinsischer Kameraparameter</a:t>
+            </a:r>
+          </a:p>
+        </p:txBody>
+      </p:sp>
+      <p:sp>
+        <p:nvSpPr>
+          <p:cNvPr id="8" name="Rectangle: Rounded Corners 7">
+            <a:extLst>
+              <a:ext uri="{FF2B5EF4-FFF2-40B4-BE49-F238E27FC236}">
+                <a16:creationId xmlns:a16="http://schemas.microsoft.com/office/drawing/2014/main" id="{1C42F1BB-C66C-4E57-9AA8-65DF4092D19C}"/>
+              </a:ext>
+            </a:extLst>
+          </p:cNvPr>
+          <p:cNvSpPr/>
+          <p:nvPr/>
+        </p:nvSpPr>
+        <p:spPr>
+          <a:xfrm>
+            <a:off x="3271706" y="3282232"/>
+            <a:ext cx="2711727" cy="3487684"/>
+          </a:xfrm>
+          <a:prstGeom prst="roundRect">
+            <a:avLst/>
+          </a:prstGeom>
+          <a:solidFill>
+            <a:schemeClr val="accent5">
+              <a:lumMod val="60000"/>
+              <a:lumOff val="40000"/>
+            </a:schemeClr>
+          </a:solidFill>
+          <a:ln>
+            <a:noFill/>
+          </a:ln>
+        </p:spPr>
+        <p:style>
+          <a:lnRef idx="2">
+            <a:schemeClr val="accent1">
+              <a:shade val="50000"/>
+            </a:schemeClr>
+          </a:lnRef>
+          <a:fillRef idx="1">
+            <a:schemeClr val="accent1"/>
+          </a:fillRef>
+          <a:effectRef idx="0">
+            <a:schemeClr val="accent1"/>
+          </a:effectRef>
+          <a:fontRef idx="minor">
+            <a:schemeClr val="lt1"/>
+          </a:fontRef>
+        </p:style>
+        <p:txBody>
+          <a:bodyPr rtlCol="0" anchor="ctr"/>
+          <a:lstStyle/>
+          <a:p>
+            <a:pPr algn="ctr"/>
+            <a:r>
+              <a:rPr lang="de-DE" dirty="0"/>
+              <a:t>Detektion und Normierung korrespondierender Punkte</a:t>
+            </a:r>
+          </a:p>
+        </p:txBody>
+      </p:sp>
+      <p:sp>
+        <p:nvSpPr>
+          <p:cNvPr id="9" name="Rectangle: Rounded Corners 8">
+            <a:extLst>
+              <a:ext uri="{FF2B5EF4-FFF2-40B4-BE49-F238E27FC236}">
+                <a16:creationId xmlns:a16="http://schemas.microsoft.com/office/drawing/2014/main" id="{ADF50BFE-3B2B-4AF8-AABE-621AEE133ABE}"/>
+              </a:ext>
+            </a:extLst>
+          </p:cNvPr>
+          <p:cNvSpPr/>
+          <p:nvPr/>
+        </p:nvSpPr>
+        <p:spPr>
+          <a:xfrm>
+            <a:off x="318781" y="3280136"/>
+            <a:ext cx="2711727" cy="3487684"/>
+          </a:xfrm>
+          <a:prstGeom prst="roundRect">
+            <a:avLst/>
+          </a:prstGeom>
+          <a:solidFill>
+            <a:schemeClr val="accent5">
+              <a:lumMod val="60000"/>
+              <a:lumOff val="40000"/>
+            </a:schemeClr>
+          </a:solidFill>
+          <a:ln>
+            <a:noFill/>
+          </a:ln>
+        </p:spPr>
+        <p:style>
+          <a:lnRef idx="2">
+            <a:schemeClr val="accent1">
+              <a:shade val="50000"/>
+            </a:schemeClr>
+          </a:lnRef>
+          <a:fillRef idx="1">
+            <a:schemeClr val="accent1"/>
+          </a:fillRef>
+          <a:effectRef idx="0">
+            <a:schemeClr val="accent1"/>
+          </a:effectRef>
+          <a:fontRef idx="minor">
+            <a:schemeClr val="lt1"/>
+          </a:fontRef>
+        </p:style>
+        <p:txBody>
+          <a:bodyPr rtlCol="0" anchor="ctr"/>
+          <a:lstStyle/>
+          <a:p>
+            <a:pPr algn="ctr"/>
+            <a:r>
+              <a:rPr lang="de-DE" dirty="0"/>
+              <a:t>Bestimmen der intrinsischen Kameraparameter in externen Program</a:t>
+            </a:r>
+          </a:p>
+        </p:txBody>
+      </p:sp>
+      <p:sp>
+        <p:nvSpPr>
+          <p:cNvPr id="10" name="Rectangle: Rounded Corners 9">
+            <a:extLst>
+              <a:ext uri="{FF2B5EF4-FFF2-40B4-BE49-F238E27FC236}">
+                <a16:creationId xmlns:a16="http://schemas.microsoft.com/office/drawing/2014/main" id="{A9910CA7-E9DB-4AE2-A0B3-F01F1D67182C}"/>
+              </a:ext>
+            </a:extLst>
+          </p:cNvPr>
+          <p:cNvSpPr/>
+          <p:nvPr/>
+        </p:nvSpPr>
+        <p:spPr>
+          <a:xfrm>
+            <a:off x="6236529" y="3280135"/>
+            <a:ext cx="2711727" cy="3487684"/>
+          </a:xfrm>
+          <a:prstGeom prst="roundRect">
+            <a:avLst/>
+          </a:prstGeom>
+          <a:solidFill>
+            <a:schemeClr val="accent5">
+              <a:lumMod val="60000"/>
+              <a:lumOff val="40000"/>
+            </a:schemeClr>
+          </a:solidFill>
+          <a:ln>
+            <a:noFill/>
+          </a:ln>
+        </p:spPr>
+        <p:style>
+          <a:lnRef idx="2">
+            <a:schemeClr val="accent1">
+              <a:shade val="50000"/>
+            </a:schemeClr>
+          </a:lnRef>
+          <a:fillRef idx="1">
+            <a:schemeClr val="accent1"/>
+          </a:fillRef>
+          <a:effectRef idx="0">
+            <a:schemeClr val="accent1"/>
+          </a:effectRef>
+          <a:fontRef idx="minor">
+            <a:schemeClr val="lt1"/>
+          </a:fontRef>
+        </p:style>
+        <p:txBody>
+          <a:bodyPr rtlCol="0" anchor="ctr"/>
+          <a:lstStyle/>
+          <a:p>
+            <a:pPr algn="ctr"/>
+            <a:r>
+              <a:rPr lang="de-DE" dirty="0"/>
+              <a:t>Bestimmung der Fundamentalmatrix und essentiellen Matrix. Ableitung der extrinsischen Kameraparameter</a:t>
+            </a:r>
+          </a:p>
+        </p:txBody>
+      </p:sp>
+      <p:sp>
+        <p:nvSpPr>
+          <p:cNvPr id="11" name="Rectangle: Rounded Corners 10">
+            <a:extLst>
+              <a:ext uri="{FF2B5EF4-FFF2-40B4-BE49-F238E27FC236}">
+                <a16:creationId xmlns:a16="http://schemas.microsoft.com/office/drawing/2014/main" id="{D1FF2ADB-EDA8-40A5-902C-4F7741C5C655}"/>
+              </a:ext>
+            </a:extLst>
+          </p:cNvPr>
+          <p:cNvSpPr/>
+          <p:nvPr/>
+        </p:nvSpPr>
+        <p:spPr>
+          <a:xfrm>
+            <a:off x="9123028" y="1812022"/>
+            <a:ext cx="2750190" cy="1375795"/>
+          </a:xfrm>
+          <a:prstGeom prst="roundRect">
+            <a:avLst/>
+          </a:prstGeom>
+          <a:solidFill>
+            <a:schemeClr val="accent5"/>
+          </a:solidFill>
+          <a:ln>
+            <a:noFill/>
+          </a:ln>
+        </p:spPr>
+        <p:style>
+          <a:lnRef idx="2">
+            <a:schemeClr val="accent1">
+              <a:shade val="50000"/>
+            </a:schemeClr>
+          </a:lnRef>
+          <a:fillRef idx="1">
+            <a:schemeClr val="accent1"/>
+          </a:fillRef>
+          <a:effectRef idx="0">
+            <a:schemeClr val="accent1"/>
+          </a:effectRef>
+          <a:fontRef idx="minor">
+            <a:schemeClr val="lt1"/>
+          </a:fontRef>
+        </p:style>
+        <p:txBody>
+          <a:bodyPr rtlCol="0" anchor="ctr"/>
+          <a:lstStyle/>
+          <a:p>
+            <a:pPr algn="ctr"/>
+            <a:r>
+              <a:rPr lang="de-DE" dirty="0"/>
+              <a:t>Szenenrekonstruktion durch Triangulation</a:t>
+            </a:r>
+          </a:p>
+        </p:txBody>
+      </p:sp>
+      <p:sp>
+        <p:nvSpPr>
+          <p:cNvPr id="12" name="Rectangle: Rounded Corners 11">
+            <a:extLst>
+              <a:ext uri="{FF2B5EF4-FFF2-40B4-BE49-F238E27FC236}">
+                <a16:creationId xmlns:a16="http://schemas.microsoft.com/office/drawing/2014/main" id="{FD894A63-25DD-4C09-BB5A-8D2EB2457E68}"/>
+              </a:ext>
+            </a:extLst>
+          </p:cNvPr>
+          <p:cNvSpPr/>
+          <p:nvPr/>
+        </p:nvSpPr>
+        <p:spPr>
+          <a:xfrm>
+            <a:off x="9142259" y="3280135"/>
+            <a:ext cx="2711727" cy="3487684"/>
+          </a:xfrm>
+          <a:prstGeom prst="roundRect">
+            <a:avLst/>
+          </a:prstGeom>
+          <a:solidFill>
+            <a:schemeClr val="accent5">
+              <a:lumMod val="60000"/>
+              <a:lumOff val="40000"/>
+            </a:schemeClr>
+          </a:solidFill>
+          <a:ln>
+            <a:noFill/>
+          </a:ln>
+        </p:spPr>
+        <p:style>
+          <a:lnRef idx="2">
+            <a:schemeClr val="accent1">
+              <a:shade val="50000"/>
+            </a:schemeClr>
+          </a:lnRef>
+          <a:fillRef idx="1">
+            <a:schemeClr val="accent1"/>
+          </a:fillRef>
+          <a:effectRef idx="0">
+            <a:schemeClr val="accent1"/>
+          </a:effectRef>
+          <a:fontRef idx="minor">
+            <a:schemeClr val="lt1"/>
+          </a:fontRef>
+        </p:style>
+        <p:txBody>
+          <a:bodyPr rtlCol="0" anchor="ctr"/>
+          <a:lstStyle/>
+          <a:p>
+            <a:pPr algn="ctr"/>
+            <a:r>
+              <a:rPr lang="de-DE" dirty="0"/>
+              <a:t>Rekonstruktion der 3D Szenen mit Sampson-Approximation</a:t>
+            </a:r>
+          </a:p>
+        </p:txBody>
+      </p:sp>
+      <p:sp>
+        <p:nvSpPr>
+          <p:cNvPr id="13" name="Arrow: Right 12">
+            <a:extLst>
+              <a:ext uri="{FF2B5EF4-FFF2-40B4-BE49-F238E27FC236}">
+                <a16:creationId xmlns:a16="http://schemas.microsoft.com/office/drawing/2014/main" id="{C4BA7DF2-511C-4E10-A2D5-9A9A82D6F2D5}"/>
+              </a:ext>
+            </a:extLst>
+          </p:cNvPr>
+          <p:cNvSpPr/>
+          <p:nvPr/>
+        </p:nvSpPr>
+        <p:spPr>
+          <a:xfrm>
+            <a:off x="2947502" y="2386686"/>
+            <a:ext cx="436571" cy="318783"/>
+          </a:xfrm>
+          <a:prstGeom prst="rightArrow">
+            <a:avLst/>
+          </a:prstGeom>
+          <a:solidFill>
+            <a:schemeClr val="accent6"/>
+          </a:solidFill>
+        </p:spPr>
+        <p:style>
+          <a:lnRef idx="2">
+            <a:schemeClr val="accent1">
+              <a:shade val="50000"/>
+            </a:schemeClr>
+          </a:lnRef>
+          <a:fillRef idx="1">
+            <a:schemeClr val="accent1"/>
+          </a:fillRef>
+          <a:effectRef idx="0">
+            <a:schemeClr val="accent1"/>
+          </a:effectRef>
+          <a:fontRef idx="minor">
+            <a:schemeClr val="lt1"/>
+          </a:fontRef>
+        </p:style>
+        <p:txBody>
+          <a:bodyPr rtlCol="0" anchor="ctr"/>
+          <a:lstStyle/>
+          <a:p>
+            <a:pPr algn="ctr"/>
+            <a:endParaRPr lang="de-DE"/>
+          </a:p>
+        </p:txBody>
+      </p:sp>
+      <p:sp>
+        <p:nvSpPr>
+          <p:cNvPr id="14" name="Arrow: Right 13">
+            <a:extLst>
+              <a:ext uri="{FF2B5EF4-FFF2-40B4-BE49-F238E27FC236}">
+                <a16:creationId xmlns:a16="http://schemas.microsoft.com/office/drawing/2014/main" id="{81288815-2871-48E6-B928-7B4C15F5BAD5}"/>
+              </a:ext>
+            </a:extLst>
+          </p:cNvPr>
+          <p:cNvSpPr/>
+          <p:nvPr/>
+        </p:nvSpPr>
+        <p:spPr>
+          <a:xfrm>
+            <a:off x="5935384" y="2396473"/>
+            <a:ext cx="436571" cy="318783"/>
+          </a:xfrm>
+          <a:prstGeom prst="rightArrow">
+            <a:avLst/>
+          </a:prstGeom>
+          <a:solidFill>
+            <a:schemeClr val="accent6"/>
+          </a:solidFill>
+        </p:spPr>
+        <p:style>
+          <a:lnRef idx="2">
+            <a:schemeClr val="accent1">
+              <a:shade val="50000"/>
+            </a:schemeClr>
+          </a:lnRef>
+          <a:fillRef idx="1">
+            <a:schemeClr val="accent1"/>
+          </a:fillRef>
+          <a:effectRef idx="0">
+            <a:schemeClr val="accent1"/>
+          </a:effectRef>
+          <a:fontRef idx="minor">
+            <a:schemeClr val="lt1"/>
+          </a:fontRef>
+        </p:style>
+        <p:txBody>
+          <a:bodyPr rtlCol="0" anchor="ctr"/>
+          <a:lstStyle/>
+          <a:p>
+            <a:pPr algn="ctr"/>
+            <a:endParaRPr lang="de-DE" dirty="0"/>
+          </a:p>
+        </p:txBody>
+      </p:sp>
+      <p:sp>
+        <p:nvSpPr>
+          <p:cNvPr id="15" name="Arrow: Right 14">
+            <a:extLst>
+              <a:ext uri="{FF2B5EF4-FFF2-40B4-BE49-F238E27FC236}">
+                <a16:creationId xmlns:a16="http://schemas.microsoft.com/office/drawing/2014/main" id="{75866F41-F1AA-4A3F-B8CF-57314A7DCF78}"/>
+              </a:ext>
+            </a:extLst>
+          </p:cNvPr>
+          <p:cNvSpPr/>
+          <p:nvPr/>
+        </p:nvSpPr>
+        <p:spPr>
+          <a:xfrm>
+            <a:off x="8822598" y="2389482"/>
+            <a:ext cx="436571" cy="318783"/>
+          </a:xfrm>
+          <a:prstGeom prst="rightArrow">
+            <a:avLst/>
+          </a:prstGeom>
+          <a:solidFill>
+            <a:schemeClr val="accent6"/>
+          </a:solidFill>
+        </p:spPr>
+        <p:style>
+          <a:lnRef idx="2">
+            <a:schemeClr val="accent1">
+              <a:shade val="50000"/>
+            </a:schemeClr>
+          </a:lnRef>
+          <a:fillRef idx="1">
+            <a:schemeClr val="accent1"/>
+          </a:fillRef>
+          <a:effectRef idx="0">
+            <a:schemeClr val="accent1"/>
+          </a:effectRef>
+          <a:fontRef idx="minor">
+            <a:schemeClr val="lt1"/>
+          </a:fontRef>
+        </p:style>
+        <p:txBody>
+          <a:bodyPr rtlCol="0" anchor="ctr"/>
+          <a:lstStyle/>
+          <a:p>
+            <a:pPr algn="ctr"/>
+            <a:endParaRPr lang="de-DE"/>
+          </a:p>
+        </p:txBody>
+      </p:sp>
+      <p:cxnSp>
+        <p:nvCxnSpPr>
+          <p:cNvPr id="16" name="Straight Connector 15">
+            <a:extLst>
+              <a:ext uri="{FF2B5EF4-FFF2-40B4-BE49-F238E27FC236}">
+                <a16:creationId xmlns:a16="http://schemas.microsoft.com/office/drawing/2014/main" id="{20B1F72F-11EE-4FB5-9A0F-F234D0A8C866}"/>
+              </a:ext>
+            </a:extLst>
+          </p:cNvPr>
+          <p:cNvCxnSpPr>
+            <a:cxnSpLocks/>
+          </p:cNvCxnSpPr>
+          <p:nvPr/>
+        </p:nvCxnSpPr>
+        <p:spPr>
+          <a:xfrm flipH="1">
+            <a:off x="3147954" y="0"/>
+            <a:ext cx="28334" cy="6858000"/>
+          </a:xfrm>
+          <a:prstGeom prst="line">
+            <a:avLst/>
+          </a:prstGeom>
+          <a:ln w="9525" cap="flat" cmpd="sng" algn="ctr">
+            <a:solidFill>
+              <a:schemeClr val="accent5"/>
+            </a:solidFill>
+            <a:prstDash val="dash"/>
+            <a:round/>
+            <a:headEnd type="none" w="med" len="med"/>
+            <a:tailEnd type="none" w="med" len="med"/>
+          </a:ln>
+        </p:spPr>
+        <p:style>
+          <a:lnRef idx="0">
+            <a:scrgbClr r="0" g="0" b="0"/>
+          </a:lnRef>
+          <a:fillRef idx="0">
+            <a:scrgbClr r="0" g="0" b="0"/>
+          </a:fillRef>
+          <a:effectRef idx="0">
+            <a:scrgbClr r="0" g="0" b="0"/>
+          </a:effectRef>
+          <a:fontRef idx="minor">
+            <a:schemeClr val="tx1"/>
+          </a:fontRef>
+        </p:style>
+      </p:cxnSp>
+      <p:cxnSp>
+        <p:nvCxnSpPr>
+          <p:cNvPr id="17" name="Straight Connector 16">
+            <a:extLst>
+              <a:ext uri="{FF2B5EF4-FFF2-40B4-BE49-F238E27FC236}">
+                <a16:creationId xmlns:a16="http://schemas.microsoft.com/office/drawing/2014/main" id="{7F42A1F8-5478-416A-9953-40C1B01A02B5}"/>
+              </a:ext>
+            </a:extLst>
+          </p:cNvPr>
+          <p:cNvCxnSpPr>
+            <a:cxnSpLocks/>
+          </p:cNvCxnSpPr>
+          <p:nvPr/>
+        </p:nvCxnSpPr>
+        <p:spPr>
+          <a:xfrm flipH="1">
+            <a:off x="6093891" y="9787"/>
+            <a:ext cx="28334" cy="6858000"/>
+          </a:xfrm>
+          <a:prstGeom prst="line">
+            <a:avLst/>
+          </a:prstGeom>
+          <a:ln w="9525" cap="flat" cmpd="sng" algn="ctr">
+            <a:solidFill>
+              <a:schemeClr val="accent5"/>
+            </a:solidFill>
+            <a:prstDash val="dash"/>
+            <a:round/>
+            <a:headEnd type="none" w="med" len="med"/>
+            <a:tailEnd type="none" w="med" len="med"/>
+          </a:ln>
+        </p:spPr>
+        <p:style>
+          <a:lnRef idx="0">
+            <a:scrgbClr r="0" g="0" b="0"/>
+          </a:lnRef>
+          <a:fillRef idx="0">
+            <a:scrgbClr r="0" g="0" b="0"/>
+          </a:fillRef>
+          <a:effectRef idx="0">
+            <a:scrgbClr r="0" g="0" b="0"/>
+          </a:effectRef>
+          <a:fontRef idx="minor">
+            <a:schemeClr val="tx1"/>
+          </a:fontRef>
+        </p:style>
+      </p:cxnSp>
+    </p:spTree>
+    <p:extLst>
+      <p:ext uri="{BB962C8B-B14F-4D97-AF65-F5344CB8AC3E}">
+        <p14:creationId xmlns:p14="http://schemas.microsoft.com/office/powerpoint/2010/main" val="1883922290"/>
       </p:ext>
     </p:extLst>
   </p:cSld>
